--- a/3주차/SBS게임아카데미_UNITY주말4개월_3주차.pptx
+++ b/3주차/SBS게임아카데미_UNITY주말4개월_3주차.pptx
@@ -4947,6 +4947,13 @@
   <p:clrMapOvr>
     <a:masterClrMapping/>
   </p:clrMapOvr>
+  <p:timing>
+    <p:tnLst>
+      <p:par>
+        <p:cTn id="1" dur="indefinite" restart="never" nodeType="tmRoot"/>
+      </p:par>
+    </p:tnLst>
+  </p:timing>
 </p:sld>
 </file>
 
@@ -5076,6 +5083,13 @@
   <p:clrMapOvr>
     <a:masterClrMapping/>
   </p:clrMapOvr>
+  <p:timing>
+    <p:tnLst>
+      <p:par>
+        <p:cTn id="1" dur="indefinite" restart="never" nodeType="tmRoot"/>
+      </p:par>
+    </p:tnLst>
+  </p:timing>
 </p:sld>
 </file>
 
@@ -5205,6 +5219,13 @@
   <p:clrMapOvr>
     <a:masterClrMapping/>
   </p:clrMapOvr>
+  <p:timing>
+    <p:tnLst>
+      <p:par>
+        <p:cTn id="1" dur="indefinite" restart="never" nodeType="tmRoot"/>
+      </p:par>
+    </p:tnLst>
+  </p:timing>
 </p:sld>
 </file>
 
@@ -5317,6 +5338,13 @@
   <p:clrMapOvr>
     <a:masterClrMapping/>
   </p:clrMapOvr>
+  <p:timing>
+    <p:tnLst>
+      <p:par>
+        <p:cTn id="1" dur="indefinite" restart="never" nodeType="tmRoot"/>
+      </p:par>
+    </p:tnLst>
+  </p:timing>
 </p:sld>
 </file>
 
@@ -5434,6 +5462,13 @@
   <p:clrMapOvr>
     <a:masterClrMapping/>
   </p:clrMapOvr>
+  <p:timing>
+    <p:tnLst>
+      <p:par>
+        <p:cTn id="1" dur="indefinite" restart="never" nodeType="tmRoot"/>
+      </p:par>
+    </p:tnLst>
+  </p:timing>
 </p:sld>
 </file>
 
@@ -6470,6 +6505,10 @@
               <a:rPr lang="ko-KR" altLang="en-US" dirty="0" err="1"/>
               <a:t>콜렉션은</a:t>
             </a:r>
+            <a:r>
+              <a:rPr lang="en-US" altLang="ko-KR" dirty="0"/>
+              <a:t/>
+            </a:r>
             <a:br>
               <a:rPr lang="en-US" altLang="ko-KR" dirty="0"/>
             </a:br>
@@ -7617,6 +7656,10 @@
             <a:r>
               <a:rPr lang="ko-KR" altLang="en-US" dirty="0"/>
               <a:t>정의가 있는 것처럼</a:t>
+            </a:r>
+            <a:r>
+              <a:rPr lang="en-US" altLang="ko-KR" dirty="0"/>
+              <a:t/>
             </a:r>
             <a:br>
               <a:rPr lang="en-US" altLang="ko-KR" dirty="0"/>
@@ -8742,7 +8785,7 @@
         </p:blipFill>
         <p:spPr>
           <a:xfrm>
-            <a:off x="1134741" y="4759071"/>
+            <a:off x="6716031" y="1705321"/>
             <a:ext cx="5786948" cy="2252137"/>
           </a:xfrm>
           <a:prstGeom prst="rect">
@@ -9550,7 +9593,7 @@
         </p:blipFill>
         <p:spPr>
           <a:xfrm>
-            <a:off x="2292739" y="2700068"/>
+            <a:off x="3287099" y="2913074"/>
             <a:ext cx="9899261" cy="4157932"/>
           </a:xfrm>
           <a:prstGeom prst="rect">
@@ -10725,6 +10768,13 @@
   <p:clrMapOvr>
     <a:masterClrMapping/>
   </p:clrMapOvr>
+  <p:timing>
+    <p:tnLst>
+      <p:par>
+        <p:cTn id="1" dur="indefinite" restart="never" nodeType="tmRoot"/>
+      </p:par>
+    </p:tnLst>
+  </p:timing>
 </p:sld>
 </file>
 
@@ -10805,6 +10855,10 @@
               <a:rPr lang="ko-KR" altLang="en-US" dirty="0"/>
               <a:t>배열과 차이점</a:t>
             </a:r>
+            <a:r>
+              <a:rPr lang="en-US" altLang="ko-KR" dirty="0"/>
+              <a:t/>
+            </a:r>
             <a:br>
               <a:rPr lang="en-US" altLang="ko-KR" dirty="0"/>
             </a:br>
@@ -10876,6 +10930,10 @@
             <a:r>
               <a:rPr lang="ko-KR" altLang="en-US" dirty="0"/>
               <a:t>를 얻어오는 형태</a:t>
+            </a:r>
+            <a:r>
+              <a:rPr lang="en-US" altLang="ko-KR" dirty="0"/>
+              <a:t/>
             </a:r>
             <a:br>
               <a:rPr lang="en-US" altLang="ko-KR" dirty="0"/>
@@ -11804,6 +11862,13 @@
   <p:clrMapOvr>
     <a:masterClrMapping/>
   </p:clrMapOvr>
+  <p:timing>
+    <p:tnLst>
+      <p:par>
+        <p:cTn id="1" dur="indefinite" restart="never" nodeType="tmRoot"/>
+      </p:par>
+    </p:tnLst>
+  </p:timing>
 </p:sld>
 </file>
 
@@ -12916,6 +12981,13 @@
   <p:clrMapOvr>
     <a:masterClrMapping/>
   </p:clrMapOvr>
+  <p:timing>
+    <p:tnLst>
+      <p:par>
+        <p:cTn id="1" dur="indefinite" restart="never" nodeType="tmRoot"/>
+      </p:par>
+    </p:tnLst>
+  </p:timing>
 </p:sld>
 </file>
 
@@ -14498,6 +14570,10 @@
               <a:rPr lang="en-US" altLang="ko-KR" b="1" dirty="0"/>
               <a:t>Animal</a:t>
             </a:r>
+            <a:r>
+              <a:rPr lang="en-US" altLang="ko-KR" dirty="0"/>
+              <a:t/>
+            </a:r>
             <a:br>
               <a:rPr lang="en-US" altLang="ko-KR" dirty="0"/>
             </a:br>
@@ -14641,6 +14717,10 @@
             <a:r>
               <a:rPr lang="en-US" altLang="ko-KR" b="1" dirty="0"/>
               <a:t>Mutant</a:t>
+            </a:r>
+            <a:r>
+              <a:rPr lang="en-US" altLang="ko-KR" dirty="0"/>
+              <a:t/>
             </a:r>
             <a:br>
               <a:rPr lang="en-US" altLang="ko-KR" dirty="0"/>
@@ -16110,6 +16190,13 @@
   <p:clrMapOvr>
     <a:masterClrMapping/>
   </p:clrMapOvr>
+  <p:timing>
+    <p:tnLst>
+      <p:par>
+        <p:cTn id="1" dur="indefinite" restart="never" nodeType="tmRoot"/>
+      </p:par>
+    </p:tnLst>
+  </p:timing>
 </p:sld>
 </file>
 
@@ -16165,6 +16252,10 @@
             <a:r>
               <a:rPr lang="ko-KR" altLang="en-US" b="1" dirty="0"/>
               <a:t>로 성질이 전혀 다른</a:t>
+            </a:r>
+            <a:r>
+              <a:rPr lang="en-US" altLang="ko-KR" b="1" dirty="0"/>
+              <a:t/>
             </a:r>
             <a:br>
               <a:rPr lang="en-US" altLang="ko-KR" b="1" dirty="0"/>
@@ -16245,6 +16336,13 @@
   <p:clrMapOvr>
     <a:masterClrMapping/>
   </p:clrMapOvr>
+  <p:timing>
+    <p:tnLst>
+      <p:par>
+        <p:cTn id="1" dur="indefinite" restart="never" nodeType="tmRoot"/>
+      </p:par>
+    </p:tnLst>
+  </p:timing>
 </p:sld>
 </file>
 
@@ -16341,6 +16439,13 @@
   <p:clrMapOvr>
     <a:masterClrMapping/>
   </p:clrMapOvr>
+  <p:timing>
+    <p:tnLst>
+      <p:par>
+        <p:cTn id="1" dur="indefinite" restart="never" nodeType="tmRoot"/>
+      </p:par>
+    </p:tnLst>
+  </p:timing>
 </p:sld>
 </file>
 
@@ -16453,6 +16558,13 @@
   <p:clrMapOvr>
     <a:masterClrMapping/>
   </p:clrMapOvr>
+  <p:timing>
+    <p:tnLst>
+      <p:par>
+        <p:cTn id="1" dur="indefinite" restart="never" nodeType="tmRoot"/>
+      </p:par>
+    </p:tnLst>
+  </p:timing>
 </p:sld>
 </file>
 
@@ -17092,6 +17204,10 @@
             <a:r>
               <a:rPr lang="ko-KR" altLang="en-US" dirty="0"/>
               <a:t>클래스는 생성 시 프로그래머가 관리하는 메모리에 데이터들을 쓰고 각 데이터에 접근하는 반면</a:t>
+            </a:r>
+            <a:r>
+              <a:rPr lang="en-US" altLang="ko-KR" dirty="0"/>
+              <a:t/>
             </a:r>
             <a:br>
               <a:rPr lang="en-US" altLang="ko-KR" dirty="0"/>
@@ -17785,6 +17901,13 @@
   <p:clrMapOvr>
     <a:masterClrMapping/>
   </p:clrMapOvr>
+  <p:timing>
+    <p:tnLst>
+      <p:par>
+        <p:cTn id="1" dur="indefinite" restart="never" nodeType="tmRoot"/>
+      </p:par>
+    </p:tnLst>
+  </p:timing>
 </p:sld>
 </file>
 
@@ -17906,6 +18029,13 @@
   <p:clrMapOvr>
     <a:masterClrMapping/>
   </p:clrMapOvr>
+  <p:timing>
+    <p:tnLst>
+      <p:par>
+        <p:cTn id="1" dur="indefinite" restart="never" nodeType="tmRoot"/>
+      </p:par>
+    </p:tnLst>
+  </p:timing>
 </p:sld>
 </file>
 
@@ -18122,6 +18252,13 @@
   <p:clrMapOvr>
     <a:masterClrMapping/>
   </p:clrMapOvr>
+  <p:timing>
+    <p:tnLst>
+      <p:par>
+        <p:cTn id="1" dur="indefinite" restart="never" nodeType="tmRoot"/>
+      </p:par>
+    </p:tnLst>
+  </p:timing>
 </p:sld>
 </file>
 
@@ -18346,6 +18483,13 @@
   <p:clrMapOvr>
     <a:masterClrMapping/>
   </p:clrMapOvr>
+  <p:timing>
+    <p:tnLst>
+      <p:par>
+        <p:cTn id="1" dur="indefinite" restart="never" nodeType="tmRoot"/>
+      </p:par>
+    </p:tnLst>
+  </p:timing>
 </p:sld>
 </file>
 
@@ -18524,6 +18668,13 @@
   <p:clrMapOvr>
     <a:masterClrMapping/>
   </p:clrMapOvr>
+  <p:timing>
+    <p:tnLst>
+      <p:par>
+        <p:cTn id="1" dur="indefinite" restart="never" nodeType="tmRoot"/>
+      </p:par>
+    </p:tnLst>
+  </p:timing>
 </p:sld>
 </file>
 
@@ -18669,6 +18820,13 @@
   <p:clrMapOvr>
     <a:masterClrMapping/>
   </p:clrMapOvr>
+  <p:timing>
+    <p:tnLst>
+      <p:par>
+        <p:cTn id="1" dur="indefinite" restart="never" nodeType="tmRoot"/>
+      </p:par>
+    </p:tnLst>
+  </p:timing>
 </p:sld>
 </file>
 
@@ -18898,6 +19056,13 @@
   <p:clrMapOvr>
     <a:masterClrMapping/>
   </p:clrMapOvr>
+  <p:timing>
+    <p:tnLst>
+      <p:par>
+        <p:cTn id="1" dur="indefinite" restart="never" nodeType="tmRoot"/>
+      </p:par>
+    </p:tnLst>
+  </p:timing>
 </p:sld>
 </file>
 
@@ -19384,6 +19549,13 @@
   <p:clrMapOvr>
     <a:masterClrMapping/>
   </p:clrMapOvr>
+  <p:timing>
+    <p:tnLst>
+      <p:par>
+        <p:cTn id="1" dur="indefinite" restart="never" nodeType="tmRoot"/>
+      </p:par>
+    </p:tnLst>
+  </p:timing>
 </p:sld>
 </file>
 
@@ -19496,6 +19668,13 @@
   <p:clrMapOvr>
     <a:masterClrMapping/>
   </p:clrMapOvr>
+  <p:timing>
+    <p:tnLst>
+      <p:par>
+        <p:cTn id="1" dur="indefinite" restart="never" nodeType="tmRoot"/>
+      </p:par>
+    </p:tnLst>
+  </p:timing>
 </p:sld>
 </file>
 
@@ -19695,6 +19874,395 @@
   <p:clrMapOvr>
     <a:masterClrMapping/>
   </p:clrMapOvr>
+  <p:timing>
+    <p:tnLst>
+      <p:par>
+        <p:cTn id="1" dur="indefinite" restart="never" nodeType="tmRoot">
+          <p:childTnLst>
+            <p:seq concurrent="1" nextAc="seek">
+              <p:cTn id="2" dur="indefinite" nodeType="mainSeq">
+                <p:childTnLst>
+                  <p:par>
+                    <p:cTn id="3" fill="hold">
+                      <p:stCondLst>
+                        <p:cond delay="indefinite"/>
+                      </p:stCondLst>
+                      <p:childTnLst>
+                        <p:par>
+                          <p:cTn id="4" fill="hold">
+                            <p:stCondLst>
+                              <p:cond delay="0"/>
+                            </p:stCondLst>
+                            <p:childTnLst>
+                              <p:par>
+                                <p:cTn id="5" presetID="1" presetClass="entr" presetSubtype="0" fill="hold" grpId="0" nodeType="clickEffect">
+                                  <p:stCondLst>
+                                    <p:cond delay="0"/>
+                                  </p:stCondLst>
+                                  <p:childTnLst>
+                                    <p:set>
+                                      <p:cBhvr>
+                                        <p:cTn id="6" dur="1" fill="hold">
+                                          <p:stCondLst>
+                                            <p:cond delay="0"/>
+                                          </p:stCondLst>
+                                        </p:cTn>
+                                        <p:tgtEl>
+                                          <p:spTgt spid="2">
+                                            <p:txEl>
+                                              <p:pRg st="0" end="0"/>
+                                            </p:txEl>
+                                          </p:spTgt>
+                                        </p:tgtEl>
+                                        <p:attrNameLst>
+                                          <p:attrName>style.visibility</p:attrName>
+                                        </p:attrNameLst>
+                                      </p:cBhvr>
+                                      <p:to>
+                                        <p:strVal val="visible"/>
+                                      </p:to>
+                                    </p:set>
+                                  </p:childTnLst>
+                                </p:cTn>
+                              </p:par>
+                            </p:childTnLst>
+                          </p:cTn>
+                        </p:par>
+                      </p:childTnLst>
+                    </p:cTn>
+                  </p:par>
+                  <p:par>
+                    <p:cTn id="7" fill="hold">
+                      <p:stCondLst>
+                        <p:cond delay="indefinite"/>
+                      </p:stCondLst>
+                      <p:childTnLst>
+                        <p:par>
+                          <p:cTn id="8" fill="hold">
+                            <p:stCondLst>
+                              <p:cond delay="0"/>
+                            </p:stCondLst>
+                            <p:childTnLst>
+                              <p:par>
+                                <p:cTn id="9" presetID="1" presetClass="entr" presetSubtype="0" fill="hold" grpId="0" nodeType="clickEffect">
+                                  <p:stCondLst>
+                                    <p:cond delay="0"/>
+                                  </p:stCondLst>
+                                  <p:childTnLst>
+                                    <p:set>
+                                      <p:cBhvr>
+                                        <p:cTn id="10" dur="1" fill="hold">
+                                          <p:stCondLst>
+                                            <p:cond delay="0"/>
+                                          </p:stCondLst>
+                                        </p:cTn>
+                                        <p:tgtEl>
+                                          <p:spTgt spid="2">
+                                            <p:txEl>
+                                              <p:pRg st="1" end="1"/>
+                                            </p:txEl>
+                                          </p:spTgt>
+                                        </p:tgtEl>
+                                        <p:attrNameLst>
+                                          <p:attrName>style.visibility</p:attrName>
+                                        </p:attrNameLst>
+                                      </p:cBhvr>
+                                      <p:to>
+                                        <p:strVal val="visible"/>
+                                      </p:to>
+                                    </p:set>
+                                  </p:childTnLst>
+                                </p:cTn>
+                              </p:par>
+                            </p:childTnLst>
+                          </p:cTn>
+                        </p:par>
+                      </p:childTnLst>
+                    </p:cTn>
+                  </p:par>
+                  <p:par>
+                    <p:cTn id="11" fill="hold">
+                      <p:stCondLst>
+                        <p:cond delay="indefinite"/>
+                      </p:stCondLst>
+                      <p:childTnLst>
+                        <p:par>
+                          <p:cTn id="12" fill="hold">
+                            <p:stCondLst>
+                              <p:cond delay="0"/>
+                            </p:stCondLst>
+                            <p:childTnLst>
+                              <p:par>
+                                <p:cTn id="13" presetID="1" presetClass="entr" presetSubtype="0" fill="hold" grpId="0" nodeType="clickEffect">
+                                  <p:stCondLst>
+                                    <p:cond delay="0"/>
+                                  </p:stCondLst>
+                                  <p:childTnLst>
+                                    <p:set>
+                                      <p:cBhvr>
+                                        <p:cTn id="14" dur="1" fill="hold">
+                                          <p:stCondLst>
+                                            <p:cond delay="0"/>
+                                          </p:stCondLst>
+                                        </p:cTn>
+                                        <p:tgtEl>
+                                          <p:spTgt spid="2">
+                                            <p:txEl>
+                                              <p:pRg st="2" end="2"/>
+                                            </p:txEl>
+                                          </p:spTgt>
+                                        </p:tgtEl>
+                                        <p:attrNameLst>
+                                          <p:attrName>style.visibility</p:attrName>
+                                        </p:attrNameLst>
+                                      </p:cBhvr>
+                                      <p:to>
+                                        <p:strVal val="visible"/>
+                                      </p:to>
+                                    </p:set>
+                                  </p:childTnLst>
+                                </p:cTn>
+                              </p:par>
+                              <p:par>
+                                <p:cTn id="15" presetID="1" presetClass="entr" presetSubtype="0" fill="hold" grpId="0" nodeType="withEffect">
+                                  <p:stCondLst>
+                                    <p:cond delay="0"/>
+                                  </p:stCondLst>
+                                  <p:childTnLst>
+                                    <p:set>
+                                      <p:cBhvr>
+                                        <p:cTn id="16" dur="1" fill="hold">
+                                          <p:stCondLst>
+                                            <p:cond delay="0"/>
+                                          </p:stCondLst>
+                                        </p:cTn>
+                                        <p:tgtEl>
+                                          <p:spTgt spid="2">
+                                            <p:txEl>
+                                              <p:pRg st="3" end="3"/>
+                                            </p:txEl>
+                                          </p:spTgt>
+                                        </p:tgtEl>
+                                        <p:attrNameLst>
+                                          <p:attrName>style.visibility</p:attrName>
+                                        </p:attrNameLst>
+                                      </p:cBhvr>
+                                      <p:to>
+                                        <p:strVal val="visible"/>
+                                      </p:to>
+                                    </p:set>
+                                  </p:childTnLst>
+                                </p:cTn>
+                              </p:par>
+                              <p:par>
+                                <p:cTn id="17" presetID="1" presetClass="entr" presetSubtype="0" fill="hold" grpId="0" nodeType="withEffect">
+                                  <p:stCondLst>
+                                    <p:cond delay="0"/>
+                                  </p:stCondLst>
+                                  <p:childTnLst>
+                                    <p:set>
+                                      <p:cBhvr>
+                                        <p:cTn id="18" dur="1" fill="hold">
+                                          <p:stCondLst>
+                                            <p:cond delay="0"/>
+                                          </p:stCondLst>
+                                        </p:cTn>
+                                        <p:tgtEl>
+                                          <p:spTgt spid="2">
+                                            <p:txEl>
+                                              <p:pRg st="4" end="4"/>
+                                            </p:txEl>
+                                          </p:spTgt>
+                                        </p:tgtEl>
+                                        <p:attrNameLst>
+                                          <p:attrName>style.visibility</p:attrName>
+                                        </p:attrNameLst>
+                                      </p:cBhvr>
+                                      <p:to>
+                                        <p:strVal val="visible"/>
+                                      </p:to>
+                                    </p:set>
+                                  </p:childTnLst>
+                                </p:cTn>
+                              </p:par>
+                            </p:childTnLst>
+                          </p:cTn>
+                        </p:par>
+                      </p:childTnLst>
+                    </p:cTn>
+                  </p:par>
+                  <p:par>
+                    <p:cTn id="19" fill="hold">
+                      <p:stCondLst>
+                        <p:cond delay="indefinite"/>
+                      </p:stCondLst>
+                      <p:childTnLst>
+                        <p:par>
+                          <p:cTn id="20" fill="hold">
+                            <p:stCondLst>
+                              <p:cond delay="0"/>
+                            </p:stCondLst>
+                            <p:childTnLst>
+                              <p:par>
+                                <p:cTn id="21" presetID="1" presetClass="entr" presetSubtype="0" fill="hold" grpId="0" nodeType="clickEffect">
+                                  <p:stCondLst>
+                                    <p:cond delay="0"/>
+                                  </p:stCondLst>
+                                  <p:childTnLst>
+                                    <p:set>
+                                      <p:cBhvr>
+                                        <p:cTn id="22" dur="1" fill="hold">
+                                          <p:stCondLst>
+                                            <p:cond delay="0"/>
+                                          </p:stCondLst>
+                                        </p:cTn>
+                                        <p:tgtEl>
+                                          <p:spTgt spid="2">
+                                            <p:txEl>
+                                              <p:pRg st="6" end="6"/>
+                                            </p:txEl>
+                                          </p:spTgt>
+                                        </p:tgtEl>
+                                        <p:attrNameLst>
+                                          <p:attrName>style.visibility</p:attrName>
+                                        </p:attrNameLst>
+                                      </p:cBhvr>
+                                      <p:to>
+                                        <p:strVal val="visible"/>
+                                      </p:to>
+                                    </p:set>
+                                  </p:childTnLst>
+                                </p:cTn>
+                              </p:par>
+                            </p:childTnLst>
+                          </p:cTn>
+                        </p:par>
+                      </p:childTnLst>
+                    </p:cTn>
+                  </p:par>
+                  <p:par>
+                    <p:cTn id="23" fill="hold">
+                      <p:stCondLst>
+                        <p:cond delay="indefinite"/>
+                      </p:stCondLst>
+                      <p:childTnLst>
+                        <p:par>
+                          <p:cTn id="24" fill="hold">
+                            <p:stCondLst>
+                              <p:cond delay="0"/>
+                            </p:stCondLst>
+                            <p:childTnLst>
+                              <p:par>
+                                <p:cTn id="25" presetID="1" presetClass="entr" presetSubtype="0" fill="hold" grpId="0" nodeType="clickEffect">
+                                  <p:stCondLst>
+                                    <p:cond delay="0"/>
+                                  </p:stCondLst>
+                                  <p:childTnLst>
+                                    <p:set>
+                                      <p:cBhvr>
+                                        <p:cTn id="26" dur="1" fill="hold">
+                                          <p:stCondLst>
+                                            <p:cond delay="0"/>
+                                          </p:stCondLst>
+                                        </p:cTn>
+                                        <p:tgtEl>
+                                          <p:spTgt spid="2">
+                                            <p:txEl>
+                                              <p:pRg st="7" end="7"/>
+                                            </p:txEl>
+                                          </p:spTgt>
+                                        </p:tgtEl>
+                                        <p:attrNameLst>
+                                          <p:attrName>style.visibility</p:attrName>
+                                        </p:attrNameLst>
+                                      </p:cBhvr>
+                                      <p:to>
+                                        <p:strVal val="visible"/>
+                                      </p:to>
+                                    </p:set>
+                                  </p:childTnLst>
+                                </p:cTn>
+                              </p:par>
+                            </p:childTnLst>
+                          </p:cTn>
+                        </p:par>
+                      </p:childTnLst>
+                    </p:cTn>
+                  </p:par>
+                  <p:par>
+                    <p:cTn id="27" fill="hold">
+                      <p:stCondLst>
+                        <p:cond delay="indefinite"/>
+                      </p:stCondLst>
+                      <p:childTnLst>
+                        <p:par>
+                          <p:cTn id="28" fill="hold">
+                            <p:stCondLst>
+                              <p:cond delay="0"/>
+                            </p:stCondLst>
+                            <p:childTnLst>
+                              <p:par>
+                                <p:cTn id="29" presetID="1" presetClass="entr" presetSubtype="0" fill="hold" grpId="0" nodeType="clickEffect">
+                                  <p:stCondLst>
+                                    <p:cond delay="0"/>
+                                  </p:stCondLst>
+                                  <p:childTnLst>
+                                    <p:set>
+                                      <p:cBhvr>
+                                        <p:cTn id="30" dur="1" fill="hold">
+                                          <p:stCondLst>
+                                            <p:cond delay="0"/>
+                                          </p:stCondLst>
+                                        </p:cTn>
+                                        <p:tgtEl>
+                                          <p:spTgt spid="2">
+                                            <p:txEl>
+                                              <p:pRg st="8" end="8"/>
+                                            </p:txEl>
+                                          </p:spTgt>
+                                        </p:tgtEl>
+                                        <p:attrNameLst>
+                                          <p:attrName>style.visibility</p:attrName>
+                                        </p:attrNameLst>
+                                      </p:cBhvr>
+                                      <p:to>
+                                        <p:strVal val="visible"/>
+                                      </p:to>
+                                    </p:set>
+                                  </p:childTnLst>
+                                </p:cTn>
+                              </p:par>
+                            </p:childTnLst>
+                          </p:cTn>
+                        </p:par>
+                      </p:childTnLst>
+                    </p:cTn>
+                  </p:par>
+                </p:childTnLst>
+              </p:cTn>
+              <p:prevCondLst>
+                <p:cond evt="onPrev" delay="0">
+                  <p:tgtEl>
+                    <p:sldTgt/>
+                  </p:tgtEl>
+                </p:cond>
+              </p:prevCondLst>
+              <p:nextCondLst>
+                <p:cond evt="onNext" delay="0">
+                  <p:tgtEl>
+                    <p:sldTgt/>
+                  </p:tgtEl>
+                </p:cond>
+              </p:nextCondLst>
+            </p:seq>
+          </p:childTnLst>
+        </p:cTn>
+      </p:par>
+    </p:tnLst>
+    <p:bldLst>
+      <p:bldP spid="2" grpId="0" build="p"/>
+    </p:bldLst>
+  </p:timing>
 </p:sld>
 </file>
 
@@ -20140,6 +20708,13 @@
   <p:clrMapOvr>
     <a:masterClrMapping/>
   </p:clrMapOvr>
+  <p:timing>
+    <p:tnLst>
+      <p:par>
+        <p:cTn id="1" dur="indefinite" restart="never" nodeType="tmRoot"/>
+      </p:par>
+    </p:tnLst>
+  </p:timing>
 </p:sld>
 </file>
 
@@ -20483,6 +21058,13 @@
   <p:clrMapOvr>
     <a:masterClrMapping/>
   </p:clrMapOvr>
+  <p:timing>
+    <p:tnLst>
+      <p:par>
+        <p:cTn id="1" dur="indefinite" restart="never" nodeType="tmRoot"/>
+      </p:par>
+    </p:tnLst>
+  </p:timing>
 </p:sld>
 </file>
 
@@ -20832,6 +21414,13 @@
   <p:clrMapOvr>
     <a:masterClrMapping/>
   </p:clrMapOvr>
+  <p:timing>
+    <p:tnLst>
+      <p:par>
+        <p:cTn id="1" dur="indefinite" restart="never" nodeType="tmRoot"/>
+      </p:par>
+    </p:tnLst>
+  </p:timing>
 </p:sld>
 </file>
 
@@ -21283,6 +21872,13 @@
   <p:clrMapOvr>
     <a:masterClrMapping/>
   </p:clrMapOvr>
+  <p:timing>
+    <p:tnLst>
+      <p:par>
+        <p:cTn id="1" dur="indefinite" restart="never" nodeType="tmRoot"/>
+      </p:par>
+    </p:tnLst>
+  </p:timing>
 </p:sld>
 </file>
 
@@ -21454,6 +22050,10 @@
               <a:rPr lang="ko-KR" altLang="en-US" dirty="0"/>
               <a:t>해당되는 모든 클래스들에 대한 메소드의 이름을 강제적으로 고정시킬 때 사용</a:t>
             </a:r>
+            <a:r>
+              <a:rPr lang="en-US" altLang="ko-KR" dirty="0"/>
+              <a:t/>
+            </a:r>
             <a:br>
               <a:rPr lang="en-US" altLang="ko-KR" dirty="0"/>
             </a:br>
@@ -21531,6 +22131,13 @@
   <p:clrMapOvr>
     <a:masterClrMapping/>
   </p:clrMapOvr>
+  <p:timing>
+    <p:tnLst>
+      <p:par>
+        <p:cTn id="1" dur="indefinite" restart="never" nodeType="tmRoot"/>
+      </p:par>
+    </p:tnLst>
+  </p:timing>
 </p:sld>
 </file>
 
@@ -21643,6 +22250,13 @@
   <p:clrMapOvr>
     <a:masterClrMapping/>
   </p:clrMapOvr>
+  <p:timing>
+    <p:tnLst>
+      <p:par>
+        <p:cTn id="1" dur="indefinite" restart="never" nodeType="tmRoot"/>
+      </p:par>
+    </p:tnLst>
+  </p:timing>
 </p:sld>
 </file>
 
@@ -21806,6 +22420,13 @@
   <p:clrMapOvr>
     <a:masterClrMapping/>
   </p:clrMapOvr>
+  <p:timing>
+    <p:tnLst>
+      <p:par>
+        <p:cTn id="1" dur="indefinite" restart="never" nodeType="tmRoot"/>
+      </p:par>
+    </p:tnLst>
+  </p:timing>
 </p:sld>
 </file>
 
@@ -21919,6 +22540,13 @@
   <p:clrMapOvr>
     <a:masterClrMapping/>
   </p:clrMapOvr>
+  <p:timing>
+    <p:tnLst>
+      <p:par>
+        <p:cTn id="1" dur="indefinite" restart="never" nodeType="tmRoot"/>
+      </p:par>
+    </p:tnLst>
+  </p:timing>
 </p:sld>
 </file>
 
@@ -22085,6 +22713,13 @@
   <p:clrMapOvr>
     <a:masterClrMapping/>
   </p:clrMapOvr>
+  <p:timing>
+    <p:tnLst>
+      <p:par>
+        <p:cTn id="1" dur="indefinite" restart="never" nodeType="tmRoot"/>
+      </p:par>
+    </p:tnLst>
+  </p:timing>
 </p:sld>
 </file>
 
@@ -22214,6 +22849,13 @@
   <p:clrMapOvr>
     <a:masterClrMapping/>
   </p:clrMapOvr>
+  <p:timing>
+    <p:tnLst>
+      <p:par>
+        <p:cTn id="1" dur="indefinite" restart="never" nodeType="tmRoot"/>
+      </p:par>
+    </p:tnLst>
+  </p:timing>
 </p:sld>
 </file>
 
@@ -22343,6 +22985,13 @@
   <p:clrMapOvr>
     <a:masterClrMapping/>
   </p:clrMapOvr>
+  <p:timing>
+    <p:tnLst>
+      <p:par>
+        <p:cTn id="1" dur="indefinite" restart="never" nodeType="tmRoot"/>
+      </p:par>
+    </p:tnLst>
+  </p:timing>
 </p:sld>
 </file>
 
